--- a/NLP.pptx
+++ b/NLP.pptx
@@ -3698,34 +3698,51 @@
           <a:bodyPr/>
           <a:lstStyle/>
           <a:p>
+            <a:pPr marL="0" indent="0">
+              <a:buNone/>
+            </a:pPr>
             <a:r>
               <a:rPr lang="en-US" dirty="0"/>
-              <a:t>1. IBRAHIM RABIU U19CO2013</a:t>
-            </a:r>
-          </a:p>
-          <a:p>
+              <a:t>1. IBRAHIM RABIU 		U19CO2013	Group Leader</a:t>
+            </a:r>
+          </a:p>
+          <a:p>
+            <a:pPr marL="0" indent="0">
+              <a:buNone/>
+            </a:pPr>
             <a:r>
               <a:rPr lang="en-US" dirty="0"/>
-              <a:t>2.</a:t>
-            </a:r>
-          </a:p>
-          <a:p>
+              <a:t>2. Ibrahim Abduljabbar Hamid	U19CO2017	Member</a:t>
+            </a:r>
+          </a:p>
+          <a:p>
+            <a:pPr marL="0" indent="0">
+              <a:buNone/>
+            </a:pPr>
             <a:r>
               <a:rPr lang="en-US" dirty="0"/>
-              <a:t>3.</a:t>
-            </a:r>
-          </a:p>
-          <a:p>
+              <a:t>3. Aminu Muhammad Baba	U18CO1035	Member</a:t>
+            </a:r>
+          </a:p>
+          <a:p>
+            <a:pPr marL="0" indent="0">
+              <a:buNone/>
+            </a:pPr>
             <a:r>
               <a:rPr lang="en-US" dirty="0"/>
-              <a:t>4.</a:t>
-            </a:r>
-          </a:p>
-          <a:p>
+              <a:t>4. Arop Dominic Arop		U18CO1086	Member</a:t>
+            </a:r>
+          </a:p>
+          <a:p>
+            <a:pPr marL="0" indent="0">
+              <a:buNone/>
+            </a:pPr>
             <a:r>
               <a:rPr lang="en-US" dirty="0"/>
-              <a:t>5.</a:t>
-            </a:r>
+              <a:t>5. Ya'u Musbahu Usman		U19CO2018	Member</a:t>
+            </a:r>
+          </a:p>
+          <a:p>
             <a:endParaRPr dirty="0"/>
           </a:p>
         </p:txBody>
